--- a/Diagnostics/local/Figures/paper_figures/supplement/1D.pptx
+++ b/Diagnostics/local/Figures/paper_figures/supplement/1D.pptx
@@ -197,7 +197,7 @@
           <a:p>
             <a:fld id="{0075AAA0-3636-2B47-AE58-C85061B97626}" type="datetimeFigureOut">
               <a:rPr lang="en-US" smtClean="0"/>
-              <a:t>8/25/23</a:t>
+              <a:t>9/20/2023</a:t>
             </a:fld>
             <a:endParaRPr lang="en-US"/>
           </a:p>
@@ -679,7 +679,7 @@
           <a:p>
             <a:fld id="{C83566F0-4E73-4508-8173-4F780CF072B3}" type="datetimeFigureOut">
               <a:rPr lang="en-US" smtClean="0"/>
-              <a:t>8/25/23</a:t>
+              <a:t>9/20/2023</a:t>
             </a:fld>
             <a:endParaRPr lang="en-US"/>
           </a:p>
@@ -849,7 +849,7 @@
           <a:p>
             <a:fld id="{C83566F0-4E73-4508-8173-4F780CF072B3}" type="datetimeFigureOut">
               <a:rPr lang="en-US" smtClean="0"/>
-              <a:t>8/25/23</a:t>
+              <a:t>9/20/2023</a:t>
             </a:fld>
             <a:endParaRPr lang="en-US"/>
           </a:p>
@@ -1029,7 +1029,7 @@
           <a:p>
             <a:fld id="{C83566F0-4E73-4508-8173-4F780CF072B3}" type="datetimeFigureOut">
               <a:rPr lang="en-US" smtClean="0"/>
-              <a:t>8/25/23</a:t>
+              <a:t>9/20/2023</a:t>
             </a:fld>
             <a:endParaRPr lang="en-US"/>
           </a:p>
@@ -1199,7 +1199,7 @@
           <a:p>
             <a:fld id="{C83566F0-4E73-4508-8173-4F780CF072B3}" type="datetimeFigureOut">
               <a:rPr lang="en-US" smtClean="0"/>
-              <a:t>8/25/23</a:t>
+              <a:t>9/20/2023</a:t>
             </a:fld>
             <a:endParaRPr lang="en-US"/>
           </a:p>
@@ -1443,7 +1443,7 @@
           <a:p>
             <a:fld id="{C83566F0-4E73-4508-8173-4F780CF072B3}" type="datetimeFigureOut">
               <a:rPr lang="en-US" smtClean="0"/>
-              <a:t>8/25/23</a:t>
+              <a:t>9/20/2023</a:t>
             </a:fld>
             <a:endParaRPr lang="en-US"/>
           </a:p>
@@ -1675,7 +1675,7 @@
           <a:p>
             <a:fld id="{C83566F0-4E73-4508-8173-4F780CF072B3}" type="datetimeFigureOut">
               <a:rPr lang="en-US" smtClean="0"/>
-              <a:t>8/25/23</a:t>
+              <a:t>9/20/2023</a:t>
             </a:fld>
             <a:endParaRPr lang="en-US"/>
           </a:p>
@@ -2042,7 +2042,7 @@
           <a:p>
             <a:fld id="{C83566F0-4E73-4508-8173-4F780CF072B3}" type="datetimeFigureOut">
               <a:rPr lang="en-US" smtClean="0"/>
-              <a:t>8/25/23</a:t>
+              <a:t>9/20/2023</a:t>
             </a:fld>
             <a:endParaRPr lang="en-US"/>
           </a:p>
@@ -2160,7 +2160,7 @@
           <a:p>
             <a:fld id="{C83566F0-4E73-4508-8173-4F780CF072B3}" type="datetimeFigureOut">
               <a:rPr lang="en-US" smtClean="0"/>
-              <a:t>8/25/23</a:t>
+              <a:t>9/20/2023</a:t>
             </a:fld>
             <a:endParaRPr lang="en-US"/>
           </a:p>
@@ -2255,7 +2255,7 @@
           <a:p>
             <a:fld id="{C83566F0-4E73-4508-8173-4F780CF072B3}" type="datetimeFigureOut">
               <a:rPr lang="en-US" smtClean="0"/>
-              <a:t>8/25/23</a:t>
+              <a:t>9/20/2023</a:t>
             </a:fld>
             <a:endParaRPr lang="en-US"/>
           </a:p>
@@ -2532,7 +2532,7 @@
           <a:p>
             <a:fld id="{C83566F0-4E73-4508-8173-4F780CF072B3}" type="datetimeFigureOut">
               <a:rPr lang="en-US" smtClean="0"/>
-              <a:t>8/25/23</a:t>
+              <a:t>9/20/2023</a:t>
             </a:fld>
             <a:endParaRPr lang="en-US"/>
           </a:p>
@@ -2789,7 +2789,7 @@
           <a:p>
             <a:fld id="{C83566F0-4E73-4508-8173-4F780CF072B3}" type="datetimeFigureOut">
               <a:rPr lang="en-US" smtClean="0"/>
-              <a:t>8/25/23</a:t>
+              <a:t>9/20/2023</a:t>
             </a:fld>
             <a:endParaRPr lang="en-US"/>
           </a:p>
@@ -3002,7 +3002,7 @@
           <a:p>
             <a:fld id="{C83566F0-4E73-4508-8173-4F780CF072B3}" type="datetimeFigureOut">
               <a:rPr lang="en-US" smtClean="0"/>
-              <a:t>8/25/23</a:t>
+              <a:t>9/20/2023</a:t>
             </a:fld>
             <a:endParaRPr lang="en-US"/>
           </a:p>
@@ -3409,10 +3409,10 @@
       </p:grpSpPr>
       <p:pic>
         <p:nvPicPr>
-          <p:cNvPr id="12" name="Picture 11" descr="A graph of different numbers&#10;&#10;Description automatically generated with medium confidence">
+          <p:cNvPr id="3" name="Picture 2">
             <a:extLst>
               <a:ext uri="{FF2B5EF4-FFF2-40B4-BE49-F238E27FC236}">
-                <a16:creationId xmlns:a16="http://schemas.microsoft.com/office/drawing/2014/main" id="{64AC4E8A-D485-FA0B-A328-41692576EC92}"/>
+                <a16:creationId xmlns:a16="http://schemas.microsoft.com/office/drawing/2014/main" id="{3C101E79-A4D4-4286-A3BA-6F496519D8E3}"/>
               </a:ext>
             </a:extLst>
           </p:cNvPr>
@@ -3435,8 +3435,8 @@
         </p:blipFill>
         <p:spPr>
           <a:xfrm>
-            <a:off x="0" y="27975"/>
-            <a:ext cx="9144000" cy="6802048"/>
+            <a:off x="0" y="0"/>
+            <a:ext cx="9144000" cy="6843623"/>
           </a:xfrm>
           <a:prstGeom prst="rect">
             <a:avLst/>
